--- a/papers/jon_mease/powerpoint/plotlyjs_commands_example.pptx
+++ b/papers/jon_mease/powerpoint/plotlyjs_commands_example.pptx
@@ -197,7 +197,7 @@
           <a:p>
             <a:fld id="{EB744DAF-D3FB-1A4B-9587-065CBAC21192}" type="datetimeFigureOut">
               <a:rPr lang="en-US" smtClean="0"/>
-              <a:t>5/19/18</a:t>
+              <a:t>5/22/18</a:t>
             </a:fld>
             <a:endParaRPr lang="en-US" dirty="0"/>
           </a:p>
@@ -684,7 +684,7 @@
           <a:p>
             <a:fld id="{0EA8DB14-899F-AB4A-BAFB-30C9DA23248A}" type="datetimeFigureOut">
               <a:rPr lang="en-US" smtClean="0"/>
-              <a:t>5/19/18</a:t>
+              <a:t>5/22/18</a:t>
             </a:fld>
             <a:endParaRPr lang="en-US" dirty="0"/>
           </a:p>
@@ -854,7 +854,7 @@
           <a:p>
             <a:fld id="{0EA8DB14-899F-AB4A-BAFB-30C9DA23248A}" type="datetimeFigureOut">
               <a:rPr lang="en-US" smtClean="0"/>
-              <a:t>5/19/18</a:t>
+              <a:t>5/22/18</a:t>
             </a:fld>
             <a:endParaRPr lang="en-US" dirty="0"/>
           </a:p>
@@ -1034,7 +1034,7 @@
           <a:p>
             <a:fld id="{0EA8DB14-899F-AB4A-BAFB-30C9DA23248A}" type="datetimeFigureOut">
               <a:rPr lang="en-US" smtClean="0"/>
-              <a:t>5/19/18</a:t>
+              <a:t>5/22/18</a:t>
             </a:fld>
             <a:endParaRPr lang="en-US" dirty="0"/>
           </a:p>
@@ -1204,7 +1204,7 @@
           <a:p>
             <a:fld id="{0EA8DB14-899F-AB4A-BAFB-30C9DA23248A}" type="datetimeFigureOut">
               <a:rPr lang="en-US" smtClean="0"/>
-              <a:t>5/19/18</a:t>
+              <a:t>5/22/18</a:t>
             </a:fld>
             <a:endParaRPr lang="en-US" dirty="0"/>
           </a:p>
@@ -1448,7 +1448,7 @@
           <a:p>
             <a:fld id="{0EA8DB14-899F-AB4A-BAFB-30C9DA23248A}" type="datetimeFigureOut">
               <a:rPr lang="en-US" smtClean="0"/>
-              <a:t>5/19/18</a:t>
+              <a:t>5/22/18</a:t>
             </a:fld>
             <a:endParaRPr lang="en-US" dirty="0"/>
           </a:p>
@@ -1680,7 +1680,7 @@
           <a:p>
             <a:fld id="{0EA8DB14-899F-AB4A-BAFB-30C9DA23248A}" type="datetimeFigureOut">
               <a:rPr lang="en-US" smtClean="0"/>
-              <a:t>5/19/18</a:t>
+              <a:t>5/22/18</a:t>
             </a:fld>
             <a:endParaRPr lang="en-US" dirty="0"/>
           </a:p>
@@ -2047,7 +2047,7 @@
           <a:p>
             <a:fld id="{0EA8DB14-899F-AB4A-BAFB-30C9DA23248A}" type="datetimeFigureOut">
               <a:rPr lang="en-US" smtClean="0"/>
-              <a:t>5/19/18</a:t>
+              <a:t>5/22/18</a:t>
             </a:fld>
             <a:endParaRPr lang="en-US" dirty="0"/>
           </a:p>
@@ -2165,7 +2165,7 @@
           <a:p>
             <a:fld id="{0EA8DB14-899F-AB4A-BAFB-30C9DA23248A}" type="datetimeFigureOut">
               <a:rPr lang="en-US" smtClean="0"/>
-              <a:t>5/19/18</a:t>
+              <a:t>5/22/18</a:t>
             </a:fld>
             <a:endParaRPr lang="en-US" dirty="0"/>
           </a:p>
@@ -2260,7 +2260,7 @@
           <a:p>
             <a:fld id="{0EA8DB14-899F-AB4A-BAFB-30C9DA23248A}" type="datetimeFigureOut">
               <a:rPr lang="en-US" smtClean="0"/>
-              <a:t>5/19/18</a:t>
+              <a:t>5/22/18</a:t>
             </a:fld>
             <a:endParaRPr lang="en-US" dirty="0"/>
           </a:p>
@@ -2537,7 +2537,7 @@
           <a:p>
             <a:fld id="{0EA8DB14-899F-AB4A-BAFB-30C9DA23248A}" type="datetimeFigureOut">
               <a:rPr lang="en-US" smtClean="0"/>
-              <a:t>5/19/18</a:t>
+              <a:t>5/22/18</a:t>
             </a:fld>
             <a:endParaRPr lang="en-US" dirty="0"/>
           </a:p>
@@ -2794,7 +2794,7 @@
           <a:p>
             <a:fld id="{0EA8DB14-899F-AB4A-BAFB-30C9DA23248A}" type="datetimeFigureOut">
               <a:rPr lang="en-US" smtClean="0"/>
-              <a:t>5/19/18</a:t>
+              <a:t>5/22/18</a:t>
             </a:fld>
             <a:endParaRPr lang="en-US" dirty="0"/>
           </a:p>
@@ -3007,7 +3007,7 @@
           <a:p>
             <a:fld id="{0EA8DB14-899F-AB4A-BAFB-30C9DA23248A}" type="datetimeFigureOut">
               <a:rPr lang="en-US" smtClean="0"/>
-              <a:t>5/19/18</a:t>
+              <a:t>5/22/18</a:t>
             </a:fld>
             <a:endParaRPr lang="en-US" dirty="0"/>
           </a:p>
@@ -3445,7 +3445,7 @@
                 <a:ea typeface="Menlo" panose="020B0609030804020204" pitchFamily="49" charset="0"/>
                 <a:cs typeface="Courier New" panose="02070309020205020404" pitchFamily="49" charset="0"/>
               </a:rPr>
-              <a:t>{'data': [</a:t>
+              <a:t>{"data": [</a:t>
             </a:r>
             <a:br>
               <a:rPr lang="en-US" sz="800" dirty="0">
@@ -3460,7 +3460,7 @@
                 <a:ea typeface="Menlo" panose="020B0609030804020204" pitchFamily="49" charset="0"/>
                 <a:cs typeface="Courier New" panose="02070309020205020404" pitchFamily="49" charset="0"/>
               </a:rPr>
-              <a:t>    {'type': 'bar',</a:t>
+              <a:t>    {"type": "bar",</a:t>
             </a:r>
             <a:br>
               <a:rPr lang="en-US" sz="800" dirty="0">
@@ -3475,7 +3475,7 @@
                 <a:ea typeface="Menlo" panose="020B0609030804020204" pitchFamily="49" charset="0"/>
                 <a:cs typeface="Courier New" panose="02070309020205020404" pitchFamily="49" charset="0"/>
               </a:rPr>
-              <a:t>     'y': [2, 3, 1]}],</a:t>
+              <a:t>     "y": [2, 3, 1]}],</a:t>
             </a:r>
             <a:br>
               <a:rPr lang="en-US" sz="800" dirty="0">
@@ -3490,7 +3490,7 @@
                 <a:ea typeface="Menlo" panose="020B0609030804020204" pitchFamily="49" charset="0"/>
                 <a:cs typeface="Courier New" panose="02070309020205020404" pitchFamily="49" charset="0"/>
               </a:rPr>
-              <a:t> 'layout': {}}</a:t>
+              <a:t> "layout": {}}</a:t>
             </a:r>
           </a:p>
         </p:txBody>
@@ -3528,7 +3528,7 @@
                 <a:ea typeface="Menlo" panose="020B0609030804020204" pitchFamily="49" charset="0"/>
                 <a:cs typeface="Courier New" panose="02070309020205020404" pitchFamily="49" charset="0"/>
               </a:rPr>
-              <a:t>{'</a:t>
+              <a:t>{"</a:t>
             </a:r>
             <a:r>
               <a:rPr lang="en-US" sz="800" dirty="0" err="1">
@@ -3544,7 +3544,7 @@
                 <a:ea typeface="Menlo" panose="020B0609030804020204" pitchFamily="49" charset="0"/>
                 <a:cs typeface="Courier New" panose="02070309020205020404" pitchFamily="49" charset="0"/>
               </a:rPr>
-              <a:t>': [-1, 3]}</a:t>
+              <a:t>": [-1, 3]}</a:t>
             </a:r>
           </a:p>
         </p:txBody>
@@ -3582,7 +3582,7 @@
                 <a:ea typeface="Menlo" panose="020B0609030804020204" pitchFamily="49" charset="0"/>
                 <a:cs typeface="Courier New" panose="02070309020205020404" pitchFamily="49" charset="0"/>
               </a:rPr>
-              <a:t>{'type': 'scatter',</a:t>
+              <a:t>{"type": "scatter",</a:t>
             </a:r>
             <a:br>
               <a:rPr lang="en-US" sz="800" dirty="0">
@@ -3597,7 +3597,7 @@
                 <a:ea typeface="Menlo" panose="020B0609030804020204" pitchFamily="49" charset="0"/>
                 <a:cs typeface="Courier New" panose="02070309020205020404" pitchFamily="49" charset="0"/>
               </a:rPr>
-              <a:t>     'y': [3, 1, 2]}</a:t>
+              <a:t>     "y": [3, 1, 2]}</a:t>
             </a:r>
           </a:p>
         </p:txBody>
@@ -3635,7 +3635,7 @@
                 <a:ea typeface="Menlo" panose="020B0609030804020204" pitchFamily="49" charset="0"/>
                 <a:cs typeface="Courier New" panose="02070309020205020404" pitchFamily="49" charset="0"/>
               </a:rPr>
-              <a:t>{'data': {'name': ['A', 'B'], </a:t>
+              <a:t>{"data": {"name": ["A", "B"], </a:t>
             </a:r>
             <a:br>
               <a:rPr lang="en-US" sz="800" dirty="0">
@@ -3650,7 +3650,23 @@
                 <a:ea typeface="Menlo" panose="020B0609030804020204" pitchFamily="49" charset="0"/>
                 <a:cs typeface="Courier New" panose="02070309020205020404" pitchFamily="49" charset="0"/>
               </a:rPr>
-              <a:t>          'marker.size': </a:t>
+              <a:t>          "</a:t>
+            </a:r>
+            <a:r>
+              <a:rPr lang="en-US" sz="800" dirty="0" err="1">
+                <a:latin typeface="Courier New" panose="02070309020205020404" pitchFamily="49" charset="0"/>
+                <a:ea typeface="Menlo" panose="020B0609030804020204" pitchFamily="49" charset="0"/>
+                <a:cs typeface="Courier New" panose="02070309020205020404" pitchFamily="49" charset="0"/>
+              </a:rPr>
+              <a:t>marker.size</a:t>
+            </a:r>
+            <a:r>
+              <a:rPr lang="en-US" sz="800" dirty="0">
+                <a:latin typeface="Courier New" panose="02070309020205020404" pitchFamily="49" charset="0"/>
+                <a:ea typeface="Menlo" panose="020B0609030804020204" pitchFamily="49" charset="0"/>
+                <a:cs typeface="Courier New" panose="02070309020205020404" pitchFamily="49" charset="0"/>
+              </a:rPr>
+              <a:t>": </a:t>
             </a:r>
             <a:br>
               <a:rPr lang="en-US" sz="800" dirty="0">
@@ -3680,7 +3696,7 @@
                 <a:ea typeface="Menlo" panose="020B0609030804020204" pitchFamily="49" charset="0"/>
                 <a:cs typeface="Courier New" panose="02070309020205020404" pitchFamily="49" charset="0"/>
               </a:rPr>
-              <a:t> 'layout': {'</a:t>
+              <a:t> "layout": {"</a:t>
             </a:r>
             <a:r>
               <a:rPr lang="en-US" sz="800" dirty="0" err="1">
@@ -3696,7 +3712,7 @@
                 <a:ea typeface="Menlo" panose="020B0609030804020204" pitchFamily="49" charset="0"/>
                 <a:cs typeface="Courier New" panose="02070309020205020404" pitchFamily="49" charset="0"/>
               </a:rPr>
-              <a:t>':</a:t>
+              <a:t>":</a:t>
             </a:r>
             <a:br>
               <a:rPr lang="en-US" sz="800" dirty="0">
@@ -3749,7 +3765,7 @@
                 <a:ea typeface="Menlo" panose="020B0609030804020204" pitchFamily="49" charset="0"/>
                 <a:cs typeface="Courier New" panose="02070309020205020404" pitchFamily="49" charset="0"/>
               </a:rPr>
-              <a:t>{'</a:t>
+              <a:t>{"</a:t>
             </a:r>
             <a:r>
               <a:rPr lang="en-US" sz="800" dirty="0" err="1">
@@ -3765,7 +3781,7 @@
                 <a:ea typeface="Menlo" panose="020B0609030804020204" pitchFamily="49" charset="0"/>
                 <a:cs typeface="Courier New" panose="02070309020205020404" pitchFamily="49" charset="0"/>
               </a:rPr>
-              <a:t>': [0, 1],</a:t>
+              <a:t>": [0, 1],</a:t>
             </a:r>
           </a:p>
           <a:p>
@@ -3775,7 +3791,7 @@
                 <a:ea typeface="Menlo" panose="020B0609030804020204" pitchFamily="49" charset="0"/>
                 <a:cs typeface="Courier New" panose="02070309020205020404" pitchFamily="49" charset="0"/>
               </a:rPr>
-              <a:t> '</a:t>
+              <a:t> "</a:t>
             </a:r>
             <a:r>
               <a:rPr lang="en-US" sz="800" dirty="0" err="1">
@@ -3791,7 +3807,7 @@
                 <a:ea typeface="Menlo" panose="020B0609030804020204" pitchFamily="49" charset="0"/>
                 <a:cs typeface="Courier New" panose="02070309020205020404" pitchFamily="49" charset="0"/>
               </a:rPr>
-              <a:t>: [1, 0]}</a:t>
+              <a:t>": [1, 0]}</a:t>
             </a:r>
           </a:p>
         </p:txBody>
@@ -3829,7 +3845,7 @@
                 <a:ea typeface="Menlo" panose="020B0609030804020204" pitchFamily="49" charset="0"/>
                 <a:cs typeface="Courier New" panose="02070309020205020404" pitchFamily="49" charset="0"/>
               </a:rPr>
-              <a:t>{'</a:t>
+              <a:t>{"</a:t>
             </a:r>
             <a:r>
               <a:rPr lang="en-US" sz="800" dirty="0" err="1">
@@ -3845,7 +3861,7 @@
                 <a:ea typeface="Menlo" panose="020B0609030804020204" pitchFamily="49" charset="0"/>
                 <a:cs typeface="Courier New" panose="02070309020205020404" pitchFamily="49" charset="0"/>
               </a:rPr>
-              <a:t>': [1]}</a:t>
+              <a:t>": [1]}</a:t>
             </a:r>
           </a:p>
         </p:txBody>
@@ -3883,7 +3899,7 @@
                 <a:ea typeface="Menlo" panose="020B0609030804020204" pitchFamily="49" charset="0"/>
                 <a:cs typeface="Courier New" panose="02070309020205020404" pitchFamily="49" charset="0"/>
               </a:rPr>
-              <a:t>{'layout':</a:t>
+              <a:t>{"layout":</a:t>
             </a:r>
           </a:p>
           <a:p>
@@ -3893,7 +3909,7 @@
                 <a:ea typeface="Menlo" panose="020B0609030804020204" pitchFamily="49" charset="0"/>
                 <a:cs typeface="Courier New" panose="02070309020205020404" pitchFamily="49" charset="0"/>
               </a:rPr>
-              <a:t>     {'</a:t>
+              <a:t>     {"</a:t>
             </a:r>
             <a:r>
               <a:rPr lang="en-US" sz="800" dirty="0" err="1">
@@ -3909,7 +3925,7 @@
                 <a:ea typeface="Menlo" panose="020B0609030804020204" pitchFamily="49" charset="0"/>
                 <a:cs typeface="Courier New" panose="02070309020205020404" pitchFamily="49" charset="0"/>
               </a:rPr>
-              <a:t>': [-1, 3],</a:t>
+              <a:t>": [-1, 3],</a:t>
             </a:r>
             <a:br>
               <a:rPr lang="en-US" sz="800" dirty="0">
@@ -3924,7 +3940,7 @@
                 <a:ea typeface="Menlo" panose="020B0609030804020204" pitchFamily="49" charset="0"/>
                 <a:cs typeface="Courier New" panose="02070309020205020404" pitchFamily="49" charset="0"/>
               </a:rPr>
-              <a:t>      '</a:t>
+              <a:t>      "</a:t>
             </a:r>
             <a:r>
               <a:rPr lang="en-US" sz="800" dirty="0" err="1">
@@ -3940,7 +3956,7 @@
                 <a:ea typeface="Menlo" panose="020B0609030804020204" pitchFamily="49" charset="0"/>
                 <a:cs typeface="Courier New" panose="02070309020205020404" pitchFamily="49" charset="0"/>
               </a:rPr>
-              <a:t>': [-3, 5]}}</a:t>
+              <a:t>": [-3, 5]}}</a:t>
             </a:r>
           </a:p>
         </p:txBody>
